--- a/ppt 16-9/0563.求主感动我.pptx
+++ b/ppt 16-9/0563.求主感动我.pptx
@@ -129,7 +129,7 @@
           <p:cNvPr id="2" name="标题 1">
             <a:extLst>
               <a:ext uri="{FF2B5EF4-FFF2-40B4-BE49-F238E27FC236}">
-                <a16:creationId xmlns:a16="http://schemas.microsoft.com/office/drawing/2014/main" id="{293C0F2A-C253-BA0E-1E48-3CD9F227A01A}"/>
+                <a16:creationId xmlns:a16="http://schemas.microsoft.com/office/drawing/2014/main" id="{658B909D-2D23-197E-011E-7652106BB2FA}"/>
               </a:ext>
             </a:extLst>
           </p:cNvPr>
@@ -166,7 +166,7 @@
           <p:cNvPr id="3" name="副标题 2">
             <a:extLst>
               <a:ext uri="{FF2B5EF4-FFF2-40B4-BE49-F238E27FC236}">
-                <a16:creationId xmlns:a16="http://schemas.microsoft.com/office/drawing/2014/main" id="{CB195655-A23E-7F61-BF98-246284249D48}"/>
+                <a16:creationId xmlns:a16="http://schemas.microsoft.com/office/drawing/2014/main" id="{5C3F2335-9DC7-F490-D966-05B994D1091A}"/>
               </a:ext>
             </a:extLst>
           </p:cNvPr>
@@ -236,7 +236,7 @@
           <p:cNvPr id="4" name="日期占位符 3">
             <a:extLst>
               <a:ext uri="{FF2B5EF4-FFF2-40B4-BE49-F238E27FC236}">
-                <a16:creationId xmlns:a16="http://schemas.microsoft.com/office/drawing/2014/main" id="{896FBF91-25EC-317F-B78E-8BD19402D8F0}"/>
+                <a16:creationId xmlns:a16="http://schemas.microsoft.com/office/drawing/2014/main" id="{EE07DDCF-C2D7-A6D8-0668-C06756B2EC1E}"/>
               </a:ext>
             </a:extLst>
           </p:cNvPr>
@@ -252,7 +252,7 @@
           <a:bodyPr/>
           <a:lstStyle/>
           <a:p>
-            <a:fld id="{1FDA2D92-B9BB-4FD3-AE7C-9BD5DED226E9}" type="datetimeFigureOut">
+            <a:fld id="{56EE4697-CAD2-4EE3-833B-B18881A9DE60}" type="datetimeFigureOut">
               <a:rPr lang="zh-CN" altLang="en-US" smtClean="0"/>
               <a:t>2024/3/10</a:t>
             </a:fld>
@@ -265,7 +265,7 @@
           <p:cNvPr id="5" name="页脚占位符 4">
             <a:extLst>
               <a:ext uri="{FF2B5EF4-FFF2-40B4-BE49-F238E27FC236}">
-                <a16:creationId xmlns:a16="http://schemas.microsoft.com/office/drawing/2014/main" id="{42565196-BBAF-9611-7D4D-6C8C4BF970E8}"/>
+                <a16:creationId xmlns:a16="http://schemas.microsoft.com/office/drawing/2014/main" id="{B8DF6F4D-C920-61FE-255E-90C3FE4D44CA}"/>
               </a:ext>
             </a:extLst>
           </p:cNvPr>
@@ -290,7 +290,7 @@
           <p:cNvPr id="6" name="灯片编号占位符 5">
             <a:extLst>
               <a:ext uri="{FF2B5EF4-FFF2-40B4-BE49-F238E27FC236}">
-                <a16:creationId xmlns:a16="http://schemas.microsoft.com/office/drawing/2014/main" id="{1DC49DFC-2C6F-3129-05ED-FDF6F3A4AF5F}"/>
+                <a16:creationId xmlns:a16="http://schemas.microsoft.com/office/drawing/2014/main" id="{A9828F51-371C-9E95-107F-5F9DB15E4339}"/>
               </a:ext>
             </a:extLst>
           </p:cNvPr>
@@ -306,7 +306,7 @@
           <a:bodyPr/>
           <a:lstStyle/>
           <a:p>
-            <a:fld id="{D9404FA0-75FA-4C25-B62D-C6BDD6D57C4E}" type="slidenum">
+            <a:fld id="{8DA96719-96DE-46DE-997F-B23ED14DB898}" type="slidenum">
               <a:rPr lang="zh-CN" altLang="en-US" smtClean="0"/>
               <a:t>‹#›</a:t>
             </a:fld>
@@ -317,7 +317,7 @@
     </p:spTree>
     <p:extLst>
       <p:ext uri="{BB962C8B-B14F-4D97-AF65-F5344CB8AC3E}">
-        <p14:creationId xmlns:p14="http://schemas.microsoft.com/office/powerpoint/2010/main" val="2385289961"/>
+        <p14:creationId xmlns:p14="http://schemas.microsoft.com/office/powerpoint/2010/main" val="3542977911"/>
       </p:ext>
     </p:extLst>
   </p:cSld>
@@ -349,7 +349,7 @@
           <p:cNvPr id="2" name="标题 1">
             <a:extLst>
               <a:ext uri="{FF2B5EF4-FFF2-40B4-BE49-F238E27FC236}">
-                <a16:creationId xmlns:a16="http://schemas.microsoft.com/office/drawing/2014/main" id="{E93FD124-E8B8-CDEA-D0AF-AAE172F217AA}"/>
+                <a16:creationId xmlns:a16="http://schemas.microsoft.com/office/drawing/2014/main" id="{AFEDFB54-315F-96B3-ABD4-E3EC4DCA9649}"/>
               </a:ext>
             </a:extLst>
           </p:cNvPr>
@@ -377,7 +377,7 @@
           <p:cNvPr id="3" name="竖排文字占位符 2">
             <a:extLst>
               <a:ext uri="{FF2B5EF4-FFF2-40B4-BE49-F238E27FC236}">
-                <a16:creationId xmlns:a16="http://schemas.microsoft.com/office/drawing/2014/main" id="{FEE15B66-5D3B-F418-01F7-CD4FEB3AEC3C}"/>
+                <a16:creationId xmlns:a16="http://schemas.microsoft.com/office/drawing/2014/main" id="{7B17C27C-2E2E-25EE-FE7A-4951C09C9075}"/>
               </a:ext>
             </a:extLst>
           </p:cNvPr>
@@ -434,7 +434,7 @@
           <p:cNvPr id="4" name="日期占位符 3">
             <a:extLst>
               <a:ext uri="{FF2B5EF4-FFF2-40B4-BE49-F238E27FC236}">
-                <a16:creationId xmlns:a16="http://schemas.microsoft.com/office/drawing/2014/main" id="{C9B311B8-56EE-AC35-329D-6BFD62C07F6F}"/>
+                <a16:creationId xmlns:a16="http://schemas.microsoft.com/office/drawing/2014/main" id="{432F7DDE-4E5F-A16F-BDBD-82C238E99B1C}"/>
               </a:ext>
             </a:extLst>
           </p:cNvPr>
@@ -450,7 +450,7 @@
           <a:bodyPr/>
           <a:lstStyle/>
           <a:p>
-            <a:fld id="{1FDA2D92-B9BB-4FD3-AE7C-9BD5DED226E9}" type="datetimeFigureOut">
+            <a:fld id="{56EE4697-CAD2-4EE3-833B-B18881A9DE60}" type="datetimeFigureOut">
               <a:rPr lang="zh-CN" altLang="en-US" smtClean="0"/>
               <a:t>2024/3/10</a:t>
             </a:fld>
@@ -463,7 +463,7 @@
           <p:cNvPr id="5" name="页脚占位符 4">
             <a:extLst>
               <a:ext uri="{FF2B5EF4-FFF2-40B4-BE49-F238E27FC236}">
-                <a16:creationId xmlns:a16="http://schemas.microsoft.com/office/drawing/2014/main" id="{727D45AD-9650-4885-D5D0-073ADE8B1E10}"/>
+                <a16:creationId xmlns:a16="http://schemas.microsoft.com/office/drawing/2014/main" id="{21005D63-7D53-2EE0-9D6E-6DAF4B323173}"/>
               </a:ext>
             </a:extLst>
           </p:cNvPr>
@@ -488,7 +488,7 @@
           <p:cNvPr id="6" name="灯片编号占位符 5">
             <a:extLst>
               <a:ext uri="{FF2B5EF4-FFF2-40B4-BE49-F238E27FC236}">
-                <a16:creationId xmlns:a16="http://schemas.microsoft.com/office/drawing/2014/main" id="{A6A0028D-C9AA-DAA0-14D7-EDCD6B52F1E5}"/>
+                <a16:creationId xmlns:a16="http://schemas.microsoft.com/office/drawing/2014/main" id="{23F19620-BFEB-C2D7-B93D-7C7D59A7C4D6}"/>
               </a:ext>
             </a:extLst>
           </p:cNvPr>
@@ -504,7 +504,7 @@
           <a:bodyPr/>
           <a:lstStyle/>
           <a:p>
-            <a:fld id="{D9404FA0-75FA-4C25-B62D-C6BDD6D57C4E}" type="slidenum">
+            <a:fld id="{8DA96719-96DE-46DE-997F-B23ED14DB898}" type="slidenum">
               <a:rPr lang="zh-CN" altLang="en-US" smtClean="0"/>
               <a:t>‹#›</a:t>
             </a:fld>
@@ -515,7 +515,7 @@
     </p:spTree>
     <p:extLst>
       <p:ext uri="{BB962C8B-B14F-4D97-AF65-F5344CB8AC3E}">
-        <p14:creationId xmlns:p14="http://schemas.microsoft.com/office/powerpoint/2010/main" val="360145023"/>
+        <p14:creationId xmlns:p14="http://schemas.microsoft.com/office/powerpoint/2010/main" val="3508729420"/>
       </p:ext>
     </p:extLst>
   </p:cSld>
@@ -547,7 +547,7 @@
           <p:cNvPr id="2" name="竖排标题 1">
             <a:extLst>
               <a:ext uri="{FF2B5EF4-FFF2-40B4-BE49-F238E27FC236}">
-                <a16:creationId xmlns:a16="http://schemas.microsoft.com/office/drawing/2014/main" id="{40EC7F56-B321-CCBC-FF55-6FA3948380EC}"/>
+                <a16:creationId xmlns:a16="http://schemas.microsoft.com/office/drawing/2014/main" id="{48BA5E63-892D-E2C6-BCAC-44B89FDFB1D3}"/>
               </a:ext>
             </a:extLst>
           </p:cNvPr>
@@ -580,7 +580,7 @@
           <p:cNvPr id="3" name="竖排文字占位符 2">
             <a:extLst>
               <a:ext uri="{FF2B5EF4-FFF2-40B4-BE49-F238E27FC236}">
-                <a16:creationId xmlns:a16="http://schemas.microsoft.com/office/drawing/2014/main" id="{915A4B80-504E-0A95-671B-D14EB377934C}"/>
+                <a16:creationId xmlns:a16="http://schemas.microsoft.com/office/drawing/2014/main" id="{5EA16D52-8A33-C329-7ECF-CA52E640D3FA}"/>
               </a:ext>
             </a:extLst>
           </p:cNvPr>
@@ -642,7 +642,7 @@
           <p:cNvPr id="4" name="日期占位符 3">
             <a:extLst>
               <a:ext uri="{FF2B5EF4-FFF2-40B4-BE49-F238E27FC236}">
-                <a16:creationId xmlns:a16="http://schemas.microsoft.com/office/drawing/2014/main" id="{8B65B654-617B-0A0E-9FC6-95E582C0D703}"/>
+                <a16:creationId xmlns:a16="http://schemas.microsoft.com/office/drawing/2014/main" id="{E2F76A24-3ADE-F38A-626A-517D6DD809EB}"/>
               </a:ext>
             </a:extLst>
           </p:cNvPr>
@@ -658,7 +658,7 @@
           <a:bodyPr/>
           <a:lstStyle/>
           <a:p>
-            <a:fld id="{1FDA2D92-B9BB-4FD3-AE7C-9BD5DED226E9}" type="datetimeFigureOut">
+            <a:fld id="{56EE4697-CAD2-4EE3-833B-B18881A9DE60}" type="datetimeFigureOut">
               <a:rPr lang="zh-CN" altLang="en-US" smtClean="0"/>
               <a:t>2024/3/10</a:t>
             </a:fld>
@@ -671,7 +671,7 @@
           <p:cNvPr id="5" name="页脚占位符 4">
             <a:extLst>
               <a:ext uri="{FF2B5EF4-FFF2-40B4-BE49-F238E27FC236}">
-                <a16:creationId xmlns:a16="http://schemas.microsoft.com/office/drawing/2014/main" id="{63887546-00DD-4A74-023F-D89952B10AFA}"/>
+                <a16:creationId xmlns:a16="http://schemas.microsoft.com/office/drawing/2014/main" id="{3C3441BA-A2EF-FEDF-DCCD-92D17E4BF9CB}"/>
               </a:ext>
             </a:extLst>
           </p:cNvPr>
@@ -696,7 +696,7 @@
           <p:cNvPr id="6" name="灯片编号占位符 5">
             <a:extLst>
               <a:ext uri="{FF2B5EF4-FFF2-40B4-BE49-F238E27FC236}">
-                <a16:creationId xmlns:a16="http://schemas.microsoft.com/office/drawing/2014/main" id="{CC7C658E-F22C-0B78-C8B6-FB90E14AB98F}"/>
+                <a16:creationId xmlns:a16="http://schemas.microsoft.com/office/drawing/2014/main" id="{9AE7469C-06A9-686A-9C91-B682375A49B9}"/>
               </a:ext>
             </a:extLst>
           </p:cNvPr>
@@ -712,7 +712,7 @@
           <a:bodyPr/>
           <a:lstStyle/>
           <a:p>
-            <a:fld id="{D9404FA0-75FA-4C25-B62D-C6BDD6D57C4E}" type="slidenum">
+            <a:fld id="{8DA96719-96DE-46DE-997F-B23ED14DB898}" type="slidenum">
               <a:rPr lang="zh-CN" altLang="en-US" smtClean="0"/>
               <a:t>‹#›</a:t>
             </a:fld>
@@ -723,7 +723,7 @@
     </p:spTree>
     <p:extLst>
       <p:ext uri="{BB962C8B-B14F-4D97-AF65-F5344CB8AC3E}">
-        <p14:creationId xmlns:p14="http://schemas.microsoft.com/office/powerpoint/2010/main" val="1426810466"/>
+        <p14:creationId xmlns:p14="http://schemas.microsoft.com/office/powerpoint/2010/main" val="421064202"/>
       </p:ext>
     </p:extLst>
   </p:cSld>
@@ -755,7 +755,7 @@
           <p:cNvPr id="2" name="标题 1">
             <a:extLst>
               <a:ext uri="{FF2B5EF4-FFF2-40B4-BE49-F238E27FC236}">
-                <a16:creationId xmlns:a16="http://schemas.microsoft.com/office/drawing/2014/main" id="{16AC5738-D8E2-2A15-D906-3875274BB7D2}"/>
+                <a16:creationId xmlns:a16="http://schemas.microsoft.com/office/drawing/2014/main" id="{22CB2DD8-1BE8-423D-1332-E32755105061}"/>
               </a:ext>
             </a:extLst>
           </p:cNvPr>
@@ -783,7 +783,7 @@
           <p:cNvPr id="3" name="内容占位符 2">
             <a:extLst>
               <a:ext uri="{FF2B5EF4-FFF2-40B4-BE49-F238E27FC236}">
-                <a16:creationId xmlns:a16="http://schemas.microsoft.com/office/drawing/2014/main" id="{37E05E5B-1630-CFFC-A1B5-3FBFF6DF4812}"/>
+                <a16:creationId xmlns:a16="http://schemas.microsoft.com/office/drawing/2014/main" id="{EF73E2F5-01C3-0CC3-5C52-35C53D7DADF8}"/>
               </a:ext>
             </a:extLst>
           </p:cNvPr>
@@ -840,7 +840,7 @@
           <p:cNvPr id="4" name="日期占位符 3">
             <a:extLst>
               <a:ext uri="{FF2B5EF4-FFF2-40B4-BE49-F238E27FC236}">
-                <a16:creationId xmlns:a16="http://schemas.microsoft.com/office/drawing/2014/main" id="{E51C3AAF-CF59-55C9-5992-E53A988612FC}"/>
+                <a16:creationId xmlns:a16="http://schemas.microsoft.com/office/drawing/2014/main" id="{A604AE92-F392-8811-F5BF-FF87B5DCEEAF}"/>
               </a:ext>
             </a:extLst>
           </p:cNvPr>
@@ -856,7 +856,7 @@
           <a:bodyPr/>
           <a:lstStyle/>
           <a:p>
-            <a:fld id="{1FDA2D92-B9BB-4FD3-AE7C-9BD5DED226E9}" type="datetimeFigureOut">
+            <a:fld id="{56EE4697-CAD2-4EE3-833B-B18881A9DE60}" type="datetimeFigureOut">
               <a:rPr lang="zh-CN" altLang="en-US" smtClean="0"/>
               <a:t>2024/3/10</a:t>
             </a:fld>
@@ -869,7 +869,7 @@
           <p:cNvPr id="5" name="页脚占位符 4">
             <a:extLst>
               <a:ext uri="{FF2B5EF4-FFF2-40B4-BE49-F238E27FC236}">
-                <a16:creationId xmlns:a16="http://schemas.microsoft.com/office/drawing/2014/main" id="{2D937200-053E-B0B8-AEC7-A30F4E8F7724}"/>
+                <a16:creationId xmlns:a16="http://schemas.microsoft.com/office/drawing/2014/main" id="{44026A42-C1AA-7F49-69B2-57E1473ED7F1}"/>
               </a:ext>
             </a:extLst>
           </p:cNvPr>
@@ -894,7 +894,7 @@
           <p:cNvPr id="6" name="灯片编号占位符 5">
             <a:extLst>
               <a:ext uri="{FF2B5EF4-FFF2-40B4-BE49-F238E27FC236}">
-                <a16:creationId xmlns:a16="http://schemas.microsoft.com/office/drawing/2014/main" id="{B0A91161-CBC5-F532-9204-A054E8F0E83B}"/>
+                <a16:creationId xmlns:a16="http://schemas.microsoft.com/office/drawing/2014/main" id="{AA8EDE3C-DF56-DC8A-E9C0-5C03303CDDA6}"/>
               </a:ext>
             </a:extLst>
           </p:cNvPr>
@@ -910,7 +910,7 @@
           <a:bodyPr/>
           <a:lstStyle/>
           <a:p>
-            <a:fld id="{D9404FA0-75FA-4C25-B62D-C6BDD6D57C4E}" type="slidenum">
+            <a:fld id="{8DA96719-96DE-46DE-997F-B23ED14DB898}" type="slidenum">
               <a:rPr lang="zh-CN" altLang="en-US" smtClean="0"/>
               <a:t>‹#›</a:t>
             </a:fld>
@@ -921,7 +921,7 @@
     </p:spTree>
     <p:extLst>
       <p:ext uri="{BB962C8B-B14F-4D97-AF65-F5344CB8AC3E}">
-        <p14:creationId xmlns:p14="http://schemas.microsoft.com/office/powerpoint/2010/main" val="991779730"/>
+        <p14:creationId xmlns:p14="http://schemas.microsoft.com/office/powerpoint/2010/main" val="2221573513"/>
       </p:ext>
     </p:extLst>
   </p:cSld>
@@ -953,7 +953,7 @@
           <p:cNvPr id="2" name="标题 1">
             <a:extLst>
               <a:ext uri="{FF2B5EF4-FFF2-40B4-BE49-F238E27FC236}">
-                <a16:creationId xmlns:a16="http://schemas.microsoft.com/office/drawing/2014/main" id="{C2A3E940-4E07-60FF-EA3A-C75A60F8E186}"/>
+                <a16:creationId xmlns:a16="http://schemas.microsoft.com/office/drawing/2014/main" id="{207E58C8-A75C-FB2E-23DA-63E3D79CB40D}"/>
               </a:ext>
             </a:extLst>
           </p:cNvPr>
@@ -990,7 +990,7 @@
           <p:cNvPr id="3" name="文本占位符 2">
             <a:extLst>
               <a:ext uri="{FF2B5EF4-FFF2-40B4-BE49-F238E27FC236}">
-                <a16:creationId xmlns:a16="http://schemas.microsoft.com/office/drawing/2014/main" id="{4A2A2631-E76B-BE50-A902-9F03D3174C1C}"/>
+                <a16:creationId xmlns:a16="http://schemas.microsoft.com/office/drawing/2014/main" id="{EC5365C0-AA73-069B-64B2-D1C0E75C96CB}"/>
               </a:ext>
             </a:extLst>
           </p:cNvPr>
@@ -1115,7 +1115,7 @@
           <p:cNvPr id="4" name="日期占位符 3">
             <a:extLst>
               <a:ext uri="{FF2B5EF4-FFF2-40B4-BE49-F238E27FC236}">
-                <a16:creationId xmlns:a16="http://schemas.microsoft.com/office/drawing/2014/main" id="{86E23B77-5500-0041-A443-60009A8850E1}"/>
+                <a16:creationId xmlns:a16="http://schemas.microsoft.com/office/drawing/2014/main" id="{8C2FD8B3-A023-1DD3-B48F-163392C3C8F2}"/>
               </a:ext>
             </a:extLst>
           </p:cNvPr>
@@ -1131,7 +1131,7 @@
           <a:bodyPr/>
           <a:lstStyle/>
           <a:p>
-            <a:fld id="{1FDA2D92-B9BB-4FD3-AE7C-9BD5DED226E9}" type="datetimeFigureOut">
+            <a:fld id="{56EE4697-CAD2-4EE3-833B-B18881A9DE60}" type="datetimeFigureOut">
               <a:rPr lang="zh-CN" altLang="en-US" smtClean="0"/>
               <a:t>2024/3/10</a:t>
             </a:fld>
@@ -1144,7 +1144,7 @@
           <p:cNvPr id="5" name="页脚占位符 4">
             <a:extLst>
               <a:ext uri="{FF2B5EF4-FFF2-40B4-BE49-F238E27FC236}">
-                <a16:creationId xmlns:a16="http://schemas.microsoft.com/office/drawing/2014/main" id="{AB823BA6-9FF9-AC87-CBBA-5A0EAD773771}"/>
+                <a16:creationId xmlns:a16="http://schemas.microsoft.com/office/drawing/2014/main" id="{F1A6A895-FA12-8147-85BA-A6BAC18F84D1}"/>
               </a:ext>
             </a:extLst>
           </p:cNvPr>
@@ -1169,7 +1169,7 @@
           <p:cNvPr id="6" name="灯片编号占位符 5">
             <a:extLst>
               <a:ext uri="{FF2B5EF4-FFF2-40B4-BE49-F238E27FC236}">
-                <a16:creationId xmlns:a16="http://schemas.microsoft.com/office/drawing/2014/main" id="{D586D5F6-048B-AD94-4C04-2389992850E4}"/>
+                <a16:creationId xmlns:a16="http://schemas.microsoft.com/office/drawing/2014/main" id="{EBE76B46-A96E-3D35-69C5-E5450AC32AD2}"/>
               </a:ext>
             </a:extLst>
           </p:cNvPr>
@@ -1185,7 +1185,7 @@
           <a:bodyPr/>
           <a:lstStyle/>
           <a:p>
-            <a:fld id="{D9404FA0-75FA-4C25-B62D-C6BDD6D57C4E}" type="slidenum">
+            <a:fld id="{8DA96719-96DE-46DE-997F-B23ED14DB898}" type="slidenum">
               <a:rPr lang="zh-CN" altLang="en-US" smtClean="0"/>
               <a:t>‹#›</a:t>
             </a:fld>
@@ -1196,7 +1196,7 @@
     </p:spTree>
     <p:extLst>
       <p:ext uri="{BB962C8B-B14F-4D97-AF65-F5344CB8AC3E}">
-        <p14:creationId xmlns:p14="http://schemas.microsoft.com/office/powerpoint/2010/main" val="1188958516"/>
+        <p14:creationId xmlns:p14="http://schemas.microsoft.com/office/powerpoint/2010/main" val="3512779138"/>
       </p:ext>
     </p:extLst>
   </p:cSld>
@@ -1228,7 +1228,7 @@
           <p:cNvPr id="2" name="标题 1">
             <a:extLst>
               <a:ext uri="{FF2B5EF4-FFF2-40B4-BE49-F238E27FC236}">
-                <a16:creationId xmlns:a16="http://schemas.microsoft.com/office/drawing/2014/main" id="{D81D1EC0-AC2A-5752-CD11-28009A8DEF79}"/>
+                <a16:creationId xmlns:a16="http://schemas.microsoft.com/office/drawing/2014/main" id="{B695C7CC-9FDA-AB04-C721-484B68562C69}"/>
               </a:ext>
             </a:extLst>
           </p:cNvPr>
@@ -1256,7 +1256,7 @@
           <p:cNvPr id="3" name="内容占位符 2">
             <a:extLst>
               <a:ext uri="{FF2B5EF4-FFF2-40B4-BE49-F238E27FC236}">
-                <a16:creationId xmlns:a16="http://schemas.microsoft.com/office/drawing/2014/main" id="{771A08AC-8C16-CFA7-4576-C89A5C36D97D}"/>
+                <a16:creationId xmlns:a16="http://schemas.microsoft.com/office/drawing/2014/main" id="{4D21EA52-E810-6A36-3017-F3668E236CA8}"/>
               </a:ext>
             </a:extLst>
           </p:cNvPr>
@@ -1318,7 +1318,7 @@
           <p:cNvPr id="4" name="内容占位符 3">
             <a:extLst>
               <a:ext uri="{FF2B5EF4-FFF2-40B4-BE49-F238E27FC236}">
-                <a16:creationId xmlns:a16="http://schemas.microsoft.com/office/drawing/2014/main" id="{7113B0C5-56CB-1887-C3DE-0416FE5DA66A}"/>
+                <a16:creationId xmlns:a16="http://schemas.microsoft.com/office/drawing/2014/main" id="{E5460DBE-E02A-D7AF-F008-AA7CBD8C8B47}"/>
               </a:ext>
             </a:extLst>
           </p:cNvPr>
@@ -1380,7 +1380,7 @@
           <p:cNvPr id="5" name="日期占位符 4">
             <a:extLst>
               <a:ext uri="{FF2B5EF4-FFF2-40B4-BE49-F238E27FC236}">
-                <a16:creationId xmlns:a16="http://schemas.microsoft.com/office/drawing/2014/main" id="{C6D0E6DF-5CC3-5381-4263-EE0C0A6C7363}"/>
+                <a16:creationId xmlns:a16="http://schemas.microsoft.com/office/drawing/2014/main" id="{9220588F-B524-E086-987F-D2760CAE3944}"/>
               </a:ext>
             </a:extLst>
           </p:cNvPr>
@@ -1396,7 +1396,7 @@
           <a:bodyPr/>
           <a:lstStyle/>
           <a:p>
-            <a:fld id="{1FDA2D92-B9BB-4FD3-AE7C-9BD5DED226E9}" type="datetimeFigureOut">
+            <a:fld id="{56EE4697-CAD2-4EE3-833B-B18881A9DE60}" type="datetimeFigureOut">
               <a:rPr lang="zh-CN" altLang="en-US" smtClean="0"/>
               <a:t>2024/3/10</a:t>
             </a:fld>
@@ -1409,7 +1409,7 @@
           <p:cNvPr id="6" name="页脚占位符 5">
             <a:extLst>
               <a:ext uri="{FF2B5EF4-FFF2-40B4-BE49-F238E27FC236}">
-                <a16:creationId xmlns:a16="http://schemas.microsoft.com/office/drawing/2014/main" id="{911D620C-7699-453F-12B3-A410CD3331A8}"/>
+                <a16:creationId xmlns:a16="http://schemas.microsoft.com/office/drawing/2014/main" id="{4DFB6308-E557-41AA-756F-B8A8981653A8}"/>
               </a:ext>
             </a:extLst>
           </p:cNvPr>
@@ -1434,7 +1434,7 @@
           <p:cNvPr id="7" name="灯片编号占位符 6">
             <a:extLst>
               <a:ext uri="{FF2B5EF4-FFF2-40B4-BE49-F238E27FC236}">
-                <a16:creationId xmlns:a16="http://schemas.microsoft.com/office/drawing/2014/main" id="{0431222F-F9BD-7186-FCDC-5BE4CE6F96BA}"/>
+                <a16:creationId xmlns:a16="http://schemas.microsoft.com/office/drawing/2014/main" id="{2F95322F-6759-9911-7180-3A4141D90D86}"/>
               </a:ext>
             </a:extLst>
           </p:cNvPr>
@@ -1450,7 +1450,7 @@
           <a:bodyPr/>
           <a:lstStyle/>
           <a:p>
-            <a:fld id="{D9404FA0-75FA-4C25-B62D-C6BDD6D57C4E}" type="slidenum">
+            <a:fld id="{8DA96719-96DE-46DE-997F-B23ED14DB898}" type="slidenum">
               <a:rPr lang="zh-CN" altLang="en-US" smtClean="0"/>
               <a:t>‹#›</a:t>
             </a:fld>
@@ -1461,7 +1461,7 @@
     </p:spTree>
     <p:extLst>
       <p:ext uri="{BB962C8B-B14F-4D97-AF65-F5344CB8AC3E}">
-        <p14:creationId xmlns:p14="http://schemas.microsoft.com/office/powerpoint/2010/main" val="2422177856"/>
+        <p14:creationId xmlns:p14="http://schemas.microsoft.com/office/powerpoint/2010/main" val="3284711137"/>
       </p:ext>
     </p:extLst>
   </p:cSld>
@@ -1493,7 +1493,7 @@
           <p:cNvPr id="2" name="标题 1">
             <a:extLst>
               <a:ext uri="{FF2B5EF4-FFF2-40B4-BE49-F238E27FC236}">
-                <a16:creationId xmlns:a16="http://schemas.microsoft.com/office/drawing/2014/main" id="{C3780BC6-E651-7EF4-024E-FB388CE09A17}"/>
+                <a16:creationId xmlns:a16="http://schemas.microsoft.com/office/drawing/2014/main" id="{DC1A9E3F-CE6B-FCDE-982F-0C2023E246B9}"/>
               </a:ext>
             </a:extLst>
           </p:cNvPr>
@@ -1526,7 +1526,7 @@
           <p:cNvPr id="3" name="文本占位符 2">
             <a:extLst>
               <a:ext uri="{FF2B5EF4-FFF2-40B4-BE49-F238E27FC236}">
-                <a16:creationId xmlns:a16="http://schemas.microsoft.com/office/drawing/2014/main" id="{AE98A096-BE48-06D2-F5CB-CC8557B1562E}"/>
+                <a16:creationId xmlns:a16="http://schemas.microsoft.com/office/drawing/2014/main" id="{D6839E5C-D3C6-55B8-011F-3E966ACD4C83}"/>
               </a:ext>
             </a:extLst>
           </p:cNvPr>
@@ -1597,7 +1597,7 @@
           <p:cNvPr id="4" name="内容占位符 3">
             <a:extLst>
               <a:ext uri="{FF2B5EF4-FFF2-40B4-BE49-F238E27FC236}">
-                <a16:creationId xmlns:a16="http://schemas.microsoft.com/office/drawing/2014/main" id="{66A0F107-8394-C7E1-CFAB-8EC1C829363C}"/>
+                <a16:creationId xmlns:a16="http://schemas.microsoft.com/office/drawing/2014/main" id="{022AC037-6EF7-2855-B132-16C4BB0BC8F0}"/>
               </a:ext>
             </a:extLst>
           </p:cNvPr>
@@ -1659,7 +1659,7 @@
           <p:cNvPr id="5" name="文本占位符 4">
             <a:extLst>
               <a:ext uri="{FF2B5EF4-FFF2-40B4-BE49-F238E27FC236}">
-                <a16:creationId xmlns:a16="http://schemas.microsoft.com/office/drawing/2014/main" id="{962C948B-DA4D-A136-DC12-928DFF5CC6F6}"/>
+                <a16:creationId xmlns:a16="http://schemas.microsoft.com/office/drawing/2014/main" id="{9CBA4E63-F433-2C96-0DC9-3DFCCB9362AE}"/>
               </a:ext>
             </a:extLst>
           </p:cNvPr>
@@ -1730,7 +1730,7 @@
           <p:cNvPr id="6" name="内容占位符 5">
             <a:extLst>
               <a:ext uri="{FF2B5EF4-FFF2-40B4-BE49-F238E27FC236}">
-                <a16:creationId xmlns:a16="http://schemas.microsoft.com/office/drawing/2014/main" id="{6B2AFA98-0332-FE3D-083E-D19D97825646}"/>
+                <a16:creationId xmlns:a16="http://schemas.microsoft.com/office/drawing/2014/main" id="{A1355F74-4B50-0F2F-F117-141462E3384B}"/>
               </a:ext>
             </a:extLst>
           </p:cNvPr>
@@ -1792,7 +1792,7 @@
           <p:cNvPr id="7" name="日期占位符 6">
             <a:extLst>
               <a:ext uri="{FF2B5EF4-FFF2-40B4-BE49-F238E27FC236}">
-                <a16:creationId xmlns:a16="http://schemas.microsoft.com/office/drawing/2014/main" id="{01646600-3DEC-921A-AE83-61C3372B61B6}"/>
+                <a16:creationId xmlns:a16="http://schemas.microsoft.com/office/drawing/2014/main" id="{96C34E0B-1220-1CBB-D5C2-6DC59E4381B7}"/>
               </a:ext>
             </a:extLst>
           </p:cNvPr>
@@ -1808,7 +1808,7 @@
           <a:bodyPr/>
           <a:lstStyle/>
           <a:p>
-            <a:fld id="{1FDA2D92-B9BB-4FD3-AE7C-9BD5DED226E9}" type="datetimeFigureOut">
+            <a:fld id="{56EE4697-CAD2-4EE3-833B-B18881A9DE60}" type="datetimeFigureOut">
               <a:rPr lang="zh-CN" altLang="en-US" smtClean="0"/>
               <a:t>2024/3/10</a:t>
             </a:fld>
@@ -1821,7 +1821,7 @@
           <p:cNvPr id="8" name="页脚占位符 7">
             <a:extLst>
               <a:ext uri="{FF2B5EF4-FFF2-40B4-BE49-F238E27FC236}">
-                <a16:creationId xmlns:a16="http://schemas.microsoft.com/office/drawing/2014/main" id="{1FBFD6E9-B326-EAF3-50C9-AE4B5044EA01}"/>
+                <a16:creationId xmlns:a16="http://schemas.microsoft.com/office/drawing/2014/main" id="{E86ACE67-8B27-B0EA-3FC9-0DFA6BC3A215}"/>
               </a:ext>
             </a:extLst>
           </p:cNvPr>
@@ -1846,7 +1846,7 @@
           <p:cNvPr id="9" name="灯片编号占位符 8">
             <a:extLst>
               <a:ext uri="{FF2B5EF4-FFF2-40B4-BE49-F238E27FC236}">
-                <a16:creationId xmlns:a16="http://schemas.microsoft.com/office/drawing/2014/main" id="{3C711F51-E60E-1483-CB4A-7D899977BC4C}"/>
+                <a16:creationId xmlns:a16="http://schemas.microsoft.com/office/drawing/2014/main" id="{9510C81D-3C8C-ECE8-8F9C-1228AA7C6110}"/>
               </a:ext>
             </a:extLst>
           </p:cNvPr>
@@ -1862,7 +1862,7 @@
           <a:bodyPr/>
           <a:lstStyle/>
           <a:p>
-            <a:fld id="{D9404FA0-75FA-4C25-B62D-C6BDD6D57C4E}" type="slidenum">
+            <a:fld id="{8DA96719-96DE-46DE-997F-B23ED14DB898}" type="slidenum">
               <a:rPr lang="zh-CN" altLang="en-US" smtClean="0"/>
               <a:t>‹#›</a:t>
             </a:fld>
@@ -1873,7 +1873,7 @@
     </p:spTree>
     <p:extLst>
       <p:ext uri="{BB962C8B-B14F-4D97-AF65-F5344CB8AC3E}">
-        <p14:creationId xmlns:p14="http://schemas.microsoft.com/office/powerpoint/2010/main" val="1167013998"/>
+        <p14:creationId xmlns:p14="http://schemas.microsoft.com/office/powerpoint/2010/main" val="1536527849"/>
       </p:ext>
     </p:extLst>
   </p:cSld>
@@ -1905,7 +1905,7 @@
           <p:cNvPr id="2" name="标题 1">
             <a:extLst>
               <a:ext uri="{FF2B5EF4-FFF2-40B4-BE49-F238E27FC236}">
-                <a16:creationId xmlns:a16="http://schemas.microsoft.com/office/drawing/2014/main" id="{F26AE71C-3068-EEDD-ACA5-66430A24048E}"/>
+                <a16:creationId xmlns:a16="http://schemas.microsoft.com/office/drawing/2014/main" id="{056F315F-6DE1-0112-9FC2-173BF1052AB6}"/>
               </a:ext>
             </a:extLst>
           </p:cNvPr>
@@ -1933,7 +1933,7 @@
           <p:cNvPr id="3" name="日期占位符 2">
             <a:extLst>
               <a:ext uri="{FF2B5EF4-FFF2-40B4-BE49-F238E27FC236}">
-                <a16:creationId xmlns:a16="http://schemas.microsoft.com/office/drawing/2014/main" id="{392CD1D6-C0C2-AAB0-4F25-448676DC7C15}"/>
+                <a16:creationId xmlns:a16="http://schemas.microsoft.com/office/drawing/2014/main" id="{3A76080C-1A71-85F0-D5F4-35589FB3D600}"/>
               </a:ext>
             </a:extLst>
           </p:cNvPr>
@@ -1949,7 +1949,7 @@
           <a:bodyPr/>
           <a:lstStyle/>
           <a:p>
-            <a:fld id="{1FDA2D92-B9BB-4FD3-AE7C-9BD5DED226E9}" type="datetimeFigureOut">
+            <a:fld id="{56EE4697-CAD2-4EE3-833B-B18881A9DE60}" type="datetimeFigureOut">
               <a:rPr lang="zh-CN" altLang="en-US" smtClean="0"/>
               <a:t>2024/3/10</a:t>
             </a:fld>
@@ -1962,7 +1962,7 @@
           <p:cNvPr id="4" name="页脚占位符 3">
             <a:extLst>
               <a:ext uri="{FF2B5EF4-FFF2-40B4-BE49-F238E27FC236}">
-                <a16:creationId xmlns:a16="http://schemas.microsoft.com/office/drawing/2014/main" id="{B0E4CA92-5D98-CBB0-74E4-6F0E4706C302}"/>
+                <a16:creationId xmlns:a16="http://schemas.microsoft.com/office/drawing/2014/main" id="{9A485A02-1CCE-33C6-8F1E-DD984E4BA452}"/>
               </a:ext>
             </a:extLst>
           </p:cNvPr>
@@ -1987,7 +1987,7 @@
           <p:cNvPr id="5" name="灯片编号占位符 4">
             <a:extLst>
               <a:ext uri="{FF2B5EF4-FFF2-40B4-BE49-F238E27FC236}">
-                <a16:creationId xmlns:a16="http://schemas.microsoft.com/office/drawing/2014/main" id="{853AC6BF-1A0B-D78A-931F-A561F04AD349}"/>
+                <a16:creationId xmlns:a16="http://schemas.microsoft.com/office/drawing/2014/main" id="{5FBAF6FD-DC18-8AE0-734F-5286F07EAB6C}"/>
               </a:ext>
             </a:extLst>
           </p:cNvPr>
@@ -2003,7 +2003,7 @@
           <a:bodyPr/>
           <a:lstStyle/>
           <a:p>
-            <a:fld id="{D9404FA0-75FA-4C25-B62D-C6BDD6D57C4E}" type="slidenum">
+            <a:fld id="{8DA96719-96DE-46DE-997F-B23ED14DB898}" type="slidenum">
               <a:rPr lang="zh-CN" altLang="en-US" smtClean="0"/>
               <a:t>‹#›</a:t>
             </a:fld>
@@ -2014,7 +2014,7 @@
     </p:spTree>
     <p:extLst>
       <p:ext uri="{BB962C8B-B14F-4D97-AF65-F5344CB8AC3E}">
-        <p14:creationId xmlns:p14="http://schemas.microsoft.com/office/powerpoint/2010/main" val="1269609501"/>
+        <p14:creationId xmlns:p14="http://schemas.microsoft.com/office/powerpoint/2010/main" val="87572959"/>
       </p:ext>
     </p:extLst>
   </p:cSld>
@@ -2046,7 +2046,7 @@
           <p:cNvPr id="2" name="日期占位符 1">
             <a:extLst>
               <a:ext uri="{FF2B5EF4-FFF2-40B4-BE49-F238E27FC236}">
-                <a16:creationId xmlns:a16="http://schemas.microsoft.com/office/drawing/2014/main" id="{9FAAA6D9-83FE-EBEC-7A43-B59ABB204A55}"/>
+                <a16:creationId xmlns:a16="http://schemas.microsoft.com/office/drawing/2014/main" id="{652BDB91-9319-90AD-7E4B-956033D22FC3}"/>
               </a:ext>
             </a:extLst>
           </p:cNvPr>
@@ -2062,7 +2062,7 @@
           <a:bodyPr/>
           <a:lstStyle/>
           <a:p>
-            <a:fld id="{1FDA2D92-B9BB-4FD3-AE7C-9BD5DED226E9}" type="datetimeFigureOut">
+            <a:fld id="{56EE4697-CAD2-4EE3-833B-B18881A9DE60}" type="datetimeFigureOut">
               <a:rPr lang="zh-CN" altLang="en-US" smtClean="0"/>
               <a:t>2024/3/10</a:t>
             </a:fld>
@@ -2075,7 +2075,7 @@
           <p:cNvPr id="3" name="页脚占位符 2">
             <a:extLst>
               <a:ext uri="{FF2B5EF4-FFF2-40B4-BE49-F238E27FC236}">
-                <a16:creationId xmlns:a16="http://schemas.microsoft.com/office/drawing/2014/main" id="{D407C5F5-1CB6-B510-6929-A16DFE4582D7}"/>
+                <a16:creationId xmlns:a16="http://schemas.microsoft.com/office/drawing/2014/main" id="{23A06158-D418-F41F-BB07-B9D82CBC4FBD}"/>
               </a:ext>
             </a:extLst>
           </p:cNvPr>
@@ -2100,7 +2100,7 @@
           <p:cNvPr id="4" name="灯片编号占位符 3">
             <a:extLst>
               <a:ext uri="{FF2B5EF4-FFF2-40B4-BE49-F238E27FC236}">
-                <a16:creationId xmlns:a16="http://schemas.microsoft.com/office/drawing/2014/main" id="{8BD316CD-7EE1-8B73-5D78-80D3EA36CED8}"/>
+                <a16:creationId xmlns:a16="http://schemas.microsoft.com/office/drawing/2014/main" id="{47EB6EA3-DF46-D6C0-7D9A-4B2822DCD15D}"/>
               </a:ext>
             </a:extLst>
           </p:cNvPr>
@@ -2116,7 +2116,7 @@
           <a:bodyPr/>
           <a:lstStyle/>
           <a:p>
-            <a:fld id="{D9404FA0-75FA-4C25-B62D-C6BDD6D57C4E}" type="slidenum">
+            <a:fld id="{8DA96719-96DE-46DE-997F-B23ED14DB898}" type="slidenum">
               <a:rPr lang="zh-CN" altLang="en-US" smtClean="0"/>
               <a:t>‹#›</a:t>
             </a:fld>
@@ -2127,7 +2127,7 @@
     </p:spTree>
     <p:extLst>
       <p:ext uri="{BB962C8B-B14F-4D97-AF65-F5344CB8AC3E}">
-        <p14:creationId xmlns:p14="http://schemas.microsoft.com/office/powerpoint/2010/main" val="3588331894"/>
+        <p14:creationId xmlns:p14="http://schemas.microsoft.com/office/powerpoint/2010/main" val="2920527876"/>
       </p:ext>
     </p:extLst>
   </p:cSld>
@@ -2159,7 +2159,7 @@
           <p:cNvPr id="2" name="标题 1">
             <a:extLst>
               <a:ext uri="{FF2B5EF4-FFF2-40B4-BE49-F238E27FC236}">
-                <a16:creationId xmlns:a16="http://schemas.microsoft.com/office/drawing/2014/main" id="{B11D8D02-8741-945E-9472-69729AEA8AA5}"/>
+                <a16:creationId xmlns:a16="http://schemas.microsoft.com/office/drawing/2014/main" id="{F249E385-66B1-7B62-D504-ED363EC53E10}"/>
               </a:ext>
             </a:extLst>
           </p:cNvPr>
@@ -2196,7 +2196,7 @@
           <p:cNvPr id="3" name="内容占位符 2">
             <a:extLst>
               <a:ext uri="{FF2B5EF4-FFF2-40B4-BE49-F238E27FC236}">
-                <a16:creationId xmlns:a16="http://schemas.microsoft.com/office/drawing/2014/main" id="{6C4FC726-CCE6-10FA-6289-A4479EDA54E1}"/>
+                <a16:creationId xmlns:a16="http://schemas.microsoft.com/office/drawing/2014/main" id="{CD025AD9-E202-E34F-7027-50F37891A172}"/>
               </a:ext>
             </a:extLst>
           </p:cNvPr>
@@ -2286,7 +2286,7 @@
           <p:cNvPr id="4" name="文本占位符 3">
             <a:extLst>
               <a:ext uri="{FF2B5EF4-FFF2-40B4-BE49-F238E27FC236}">
-                <a16:creationId xmlns:a16="http://schemas.microsoft.com/office/drawing/2014/main" id="{FA82BD3D-117A-3D36-001F-8F7E525414ED}"/>
+                <a16:creationId xmlns:a16="http://schemas.microsoft.com/office/drawing/2014/main" id="{A9EE9E10-35C1-3971-67CD-055E2DEC6C8B}"/>
               </a:ext>
             </a:extLst>
           </p:cNvPr>
@@ -2357,7 +2357,7 @@
           <p:cNvPr id="5" name="日期占位符 4">
             <a:extLst>
               <a:ext uri="{FF2B5EF4-FFF2-40B4-BE49-F238E27FC236}">
-                <a16:creationId xmlns:a16="http://schemas.microsoft.com/office/drawing/2014/main" id="{4DBDF266-859A-CB70-A536-3483CB3071E4}"/>
+                <a16:creationId xmlns:a16="http://schemas.microsoft.com/office/drawing/2014/main" id="{37BCC4B1-3066-082B-6E94-CCCEDBB562CA}"/>
               </a:ext>
             </a:extLst>
           </p:cNvPr>
@@ -2373,7 +2373,7 @@
           <a:bodyPr/>
           <a:lstStyle/>
           <a:p>
-            <a:fld id="{1FDA2D92-B9BB-4FD3-AE7C-9BD5DED226E9}" type="datetimeFigureOut">
+            <a:fld id="{56EE4697-CAD2-4EE3-833B-B18881A9DE60}" type="datetimeFigureOut">
               <a:rPr lang="zh-CN" altLang="en-US" smtClean="0"/>
               <a:t>2024/3/10</a:t>
             </a:fld>
@@ -2386,7 +2386,7 @@
           <p:cNvPr id="6" name="页脚占位符 5">
             <a:extLst>
               <a:ext uri="{FF2B5EF4-FFF2-40B4-BE49-F238E27FC236}">
-                <a16:creationId xmlns:a16="http://schemas.microsoft.com/office/drawing/2014/main" id="{91F5E505-E5A2-4CFF-3AE7-3366F016392D}"/>
+                <a16:creationId xmlns:a16="http://schemas.microsoft.com/office/drawing/2014/main" id="{024669E5-A1E9-8A8B-7A41-95E8EFA3F0C1}"/>
               </a:ext>
             </a:extLst>
           </p:cNvPr>
@@ -2411,7 +2411,7 @@
           <p:cNvPr id="7" name="灯片编号占位符 6">
             <a:extLst>
               <a:ext uri="{FF2B5EF4-FFF2-40B4-BE49-F238E27FC236}">
-                <a16:creationId xmlns:a16="http://schemas.microsoft.com/office/drawing/2014/main" id="{347F1850-663C-EF92-A0C1-3662C9E2AFC6}"/>
+                <a16:creationId xmlns:a16="http://schemas.microsoft.com/office/drawing/2014/main" id="{F172C2D5-E7C8-5CC0-5CFF-E618F0A336E3}"/>
               </a:ext>
             </a:extLst>
           </p:cNvPr>
@@ -2427,7 +2427,7 @@
           <a:bodyPr/>
           <a:lstStyle/>
           <a:p>
-            <a:fld id="{D9404FA0-75FA-4C25-B62D-C6BDD6D57C4E}" type="slidenum">
+            <a:fld id="{8DA96719-96DE-46DE-997F-B23ED14DB898}" type="slidenum">
               <a:rPr lang="zh-CN" altLang="en-US" smtClean="0"/>
               <a:t>‹#›</a:t>
             </a:fld>
@@ -2438,7 +2438,7 @@
     </p:spTree>
     <p:extLst>
       <p:ext uri="{BB962C8B-B14F-4D97-AF65-F5344CB8AC3E}">
-        <p14:creationId xmlns:p14="http://schemas.microsoft.com/office/powerpoint/2010/main" val="1116917010"/>
+        <p14:creationId xmlns:p14="http://schemas.microsoft.com/office/powerpoint/2010/main" val="3095099859"/>
       </p:ext>
     </p:extLst>
   </p:cSld>
@@ -2470,7 +2470,7 @@
           <p:cNvPr id="2" name="标题 1">
             <a:extLst>
               <a:ext uri="{FF2B5EF4-FFF2-40B4-BE49-F238E27FC236}">
-                <a16:creationId xmlns:a16="http://schemas.microsoft.com/office/drawing/2014/main" id="{232CEC12-078F-3131-5AD3-B6A9334B020A}"/>
+                <a16:creationId xmlns:a16="http://schemas.microsoft.com/office/drawing/2014/main" id="{F3031F76-F87F-FE15-4643-83D00BAF56B4}"/>
               </a:ext>
             </a:extLst>
           </p:cNvPr>
@@ -2507,7 +2507,7 @@
           <p:cNvPr id="3" name="图片占位符 2">
             <a:extLst>
               <a:ext uri="{FF2B5EF4-FFF2-40B4-BE49-F238E27FC236}">
-                <a16:creationId xmlns:a16="http://schemas.microsoft.com/office/drawing/2014/main" id="{6DFD34DE-57F3-7A5B-2A98-2BBE7E2697B8}"/>
+                <a16:creationId xmlns:a16="http://schemas.microsoft.com/office/drawing/2014/main" id="{74D47813-DBCB-22A9-6F62-0DE60D2B9429}"/>
               </a:ext>
             </a:extLst>
           </p:cNvPr>
@@ -2574,7 +2574,7 @@
           <p:cNvPr id="4" name="文本占位符 3">
             <a:extLst>
               <a:ext uri="{FF2B5EF4-FFF2-40B4-BE49-F238E27FC236}">
-                <a16:creationId xmlns:a16="http://schemas.microsoft.com/office/drawing/2014/main" id="{A66D456D-0EFB-6B92-1807-9F2DAE07B3D8}"/>
+                <a16:creationId xmlns:a16="http://schemas.microsoft.com/office/drawing/2014/main" id="{ECB2BFAA-8528-1C64-EE57-28935CC35E2F}"/>
               </a:ext>
             </a:extLst>
           </p:cNvPr>
@@ -2645,7 +2645,7 @@
           <p:cNvPr id="5" name="日期占位符 4">
             <a:extLst>
               <a:ext uri="{FF2B5EF4-FFF2-40B4-BE49-F238E27FC236}">
-                <a16:creationId xmlns:a16="http://schemas.microsoft.com/office/drawing/2014/main" id="{3C59F899-28A4-85D3-B907-4D892BC63094}"/>
+                <a16:creationId xmlns:a16="http://schemas.microsoft.com/office/drawing/2014/main" id="{7F07A8EE-E3C3-4B7D-DCB0-EDBE1D2A0465}"/>
               </a:ext>
             </a:extLst>
           </p:cNvPr>
@@ -2661,7 +2661,7 @@
           <a:bodyPr/>
           <a:lstStyle/>
           <a:p>
-            <a:fld id="{1FDA2D92-B9BB-4FD3-AE7C-9BD5DED226E9}" type="datetimeFigureOut">
+            <a:fld id="{56EE4697-CAD2-4EE3-833B-B18881A9DE60}" type="datetimeFigureOut">
               <a:rPr lang="zh-CN" altLang="en-US" smtClean="0"/>
               <a:t>2024/3/10</a:t>
             </a:fld>
@@ -2674,7 +2674,7 @@
           <p:cNvPr id="6" name="页脚占位符 5">
             <a:extLst>
               <a:ext uri="{FF2B5EF4-FFF2-40B4-BE49-F238E27FC236}">
-                <a16:creationId xmlns:a16="http://schemas.microsoft.com/office/drawing/2014/main" id="{38C7F9D9-6351-ABC7-DAE1-8FC8B8DD15D9}"/>
+                <a16:creationId xmlns:a16="http://schemas.microsoft.com/office/drawing/2014/main" id="{093AA300-75D8-EC72-2DCF-0C4648DD269A}"/>
               </a:ext>
             </a:extLst>
           </p:cNvPr>
@@ -2699,7 +2699,7 @@
           <p:cNvPr id="7" name="灯片编号占位符 6">
             <a:extLst>
               <a:ext uri="{FF2B5EF4-FFF2-40B4-BE49-F238E27FC236}">
-                <a16:creationId xmlns:a16="http://schemas.microsoft.com/office/drawing/2014/main" id="{D321C88E-8468-6A9D-8EC8-CD60003EEFDC}"/>
+                <a16:creationId xmlns:a16="http://schemas.microsoft.com/office/drawing/2014/main" id="{8C03D801-FB45-A197-D1F7-33034E2BD95D}"/>
               </a:ext>
             </a:extLst>
           </p:cNvPr>
@@ -2715,7 +2715,7 @@
           <a:bodyPr/>
           <a:lstStyle/>
           <a:p>
-            <a:fld id="{D9404FA0-75FA-4C25-B62D-C6BDD6D57C4E}" type="slidenum">
+            <a:fld id="{8DA96719-96DE-46DE-997F-B23ED14DB898}" type="slidenum">
               <a:rPr lang="zh-CN" altLang="en-US" smtClean="0"/>
               <a:t>‹#›</a:t>
             </a:fld>
@@ -2726,7 +2726,7 @@
     </p:spTree>
     <p:extLst>
       <p:ext uri="{BB962C8B-B14F-4D97-AF65-F5344CB8AC3E}">
-        <p14:creationId xmlns:p14="http://schemas.microsoft.com/office/powerpoint/2010/main" val="1234072194"/>
+        <p14:creationId xmlns:p14="http://schemas.microsoft.com/office/powerpoint/2010/main" val="4260452763"/>
       </p:ext>
     </p:extLst>
   </p:cSld>
@@ -2763,7 +2763,7 @@
           <p:cNvPr id="2" name="标题占位符 1">
             <a:extLst>
               <a:ext uri="{FF2B5EF4-FFF2-40B4-BE49-F238E27FC236}">
-                <a16:creationId xmlns:a16="http://schemas.microsoft.com/office/drawing/2014/main" id="{2944BAC7-1D0D-B20D-DDB4-81410A23E521}"/>
+                <a16:creationId xmlns:a16="http://schemas.microsoft.com/office/drawing/2014/main" id="{99990F8A-72F9-4D8C-1352-BD97443D6D71}"/>
               </a:ext>
             </a:extLst>
           </p:cNvPr>
@@ -2801,7 +2801,7 @@
           <p:cNvPr id="3" name="文本占位符 2">
             <a:extLst>
               <a:ext uri="{FF2B5EF4-FFF2-40B4-BE49-F238E27FC236}">
-                <a16:creationId xmlns:a16="http://schemas.microsoft.com/office/drawing/2014/main" id="{54DED5CC-3C37-8363-17A6-2911E4B9A71D}"/>
+                <a16:creationId xmlns:a16="http://schemas.microsoft.com/office/drawing/2014/main" id="{89D0A6B6-B03E-DF1B-871A-F42034A8393D}"/>
               </a:ext>
             </a:extLst>
           </p:cNvPr>
@@ -2868,7 +2868,7 @@
           <p:cNvPr id="4" name="日期占位符 3">
             <a:extLst>
               <a:ext uri="{FF2B5EF4-FFF2-40B4-BE49-F238E27FC236}">
-                <a16:creationId xmlns:a16="http://schemas.microsoft.com/office/drawing/2014/main" id="{E569E8A0-6F66-961C-B29D-6790510E6C4A}"/>
+                <a16:creationId xmlns:a16="http://schemas.microsoft.com/office/drawing/2014/main" id="{29C99F99-73D1-D6F9-6F79-C22B32176668}"/>
               </a:ext>
             </a:extLst>
           </p:cNvPr>
@@ -2902,7 +2902,7 @@
             </a:lvl1pPr>
           </a:lstStyle>
           <a:p>
-            <a:fld id="{1FDA2D92-B9BB-4FD3-AE7C-9BD5DED226E9}" type="datetimeFigureOut">
+            <a:fld id="{56EE4697-CAD2-4EE3-833B-B18881A9DE60}" type="datetimeFigureOut">
               <a:rPr lang="zh-CN" altLang="en-US" smtClean="0"/>
               <a:t>2024/3/10</a:t>
             </a:fld>
@@ -2915,7 +2915,7 @@
           <p:cNvPr id="5" name="页脚占位符 4">
             <a:extLst>
               <a:ext uri="{FF2B5EF4-FFF2-40B4-BE49-F238E27FC236}">
-                <a16:creationId xmlns:a16="http://schemas.microsoft.com/office/drawing/2014/main" id="{160296D6-563E-E2E5-C051-6BEE8363F26F}"/>
+                <a16:creationId xmlns:a16="http://schemas.microsoft.com/office/drawing/2014/main" id="{67F521AB-EE16-4798-BF57-1F7B64B62606}"/>
               </a:ext>
             </a:extLst>
           </p:cNvPr>
@@ -2958,7 +2958,7 @@
           <p:cNvPr id="6" name="灯片编号占位符 5">
             <a:extLst>
               <a:ext uri="{FF2B5EF4-FFF2-40B4-BE49-F238E27FC236}">
-                <a16:creationId xmlns:a16="http://schemas.microsoft.com/office/drawing/2014/main" id="{F6DAF6AB-E337-225F-87EE-0E44A35E0DEC}"/>
+                <a16:creationId xmlns:a16="http://schemas.microsoft.com/office/drawing/2014/main" id="{D0E823E4-C331-7D0D-3426-B82CE588999F}"/>
               </a:ext>
             </a:extLst>
           </p:cNvPr>
@@ -2992,7 +2992,7 @@
             </a:lvl1pPr>
           </a:lstStyle>
           <a:p>
-            <a:fld id="{D9404FA0-75FA-4C25-B62D-C6BDD6D57C4E}" type="slidenum">
+            <a:fld id="{8DA96719-96DE-46DE-997F-B23ED14DB898}" type="slidenum">
               <a:rPr lang="zh-CN" altLang="en-US" smtClean="0"/>
               <a:t>‹#›</a:t>
             </a:fld>
@@ -3003,7 +3003,7 @@
     </p:spTree>
     <p:extLst>
       <p:ext uri="{BB962C8B-B14F-4D97-AF65-F5344CB8AC3E}">
-        <p14:creationId xmlns:p14="http://schemas.microsoft.com/office/powerpoint/2010/main" val="4091656729"/>
+        <p14:creationId xmlns:p14="http://schemas.microsoft.com/office/powerpoint/2010/main" val="1608547653"/>
       </p:ext>
     </p:extLst>
   </p:cSld>
